--- a/M03_Arreglos_Multidimensionales/01 Presentacion/M03_PPTX-Arreglos_Multidimensionales.pptx
+++ b/M03_Arreglos_Multidimensionales/01 Presentacion/M03_PPTX-Arreglos_Multidimensionales.pptx
@@ -6749,7 +6749,7 @@
                 </a:solidFill>
                 <a:latin typeface="Cascadia Code,  Courier New"/>
               </a:rPr>
-              <a:t>  if (calendar[time][day] == null || calendar[time][day].equals(""))</a:t>
+              <a:t>  if (calendar[time][day] != null)</a:t>
             </a:r>
           </a:p>
           <a:p>
@@ -6873,7 +6873,7 @@
                             </p:stCondLst>
                             <p:childTnLst>
                               <p:par>
-                                <p:cTn id="5" presetID="1" presetClass="entr" presetSubtype="0" fill="hold" grpId="0" nodeType="clickEffect">
+                                <p:cTn id="5" presetID="1" presetClass="entr" presetSubtype="0" fill="hold" nodeType="clickEffect">
                                   <p:stCondLst>
                                     <p:cond delay="0"/>
                                   </p:stCondLst>
@@ -6886,7 +6886,228 @@
                                           </p:stCondLst>
                                         </p:cTn>
                                         <p:tgtEl>
-                                          <p:spTgt spid="5"/>
+                                          <p:spTgt spid="5">
+                                            <p:txEl>
+                                              <p:pRg st="1" end="1"/>
+                                            </p:txEl>
+                                          </p:spTgt>
+                                        </p:tgtEl>
+                                        <p:attrNameLst>
+                                          <p:attrName>style.visibility</p:attrName>
+                                        </p:attrNameLst>
+                                      </p:cBhvr>
+                                      <p:to>
+                                        <p:strVal val="visible"/>
+                                      </p:to>
+                                    </p:set>
+                                  </p:childTnLst>
+                                </p:cTn>
+                              </p:par>
+                              <p:par>
+                                <p:cTn id="7" presetID="1" presetClass="entr" presetSubtype="0" fill="hold" nodeType="withEffect">
+                                  <p:stCondLst>
+                                    <p:cond delay="0"/>
+                                  </p:stCondLst>
+                                  <p:childTnLst>
+                                    <p:set>
+                                      <p:cBhvr>
+                                        <p:cTn id="8" dur="1" fill="hold">
+                                          <p:stCondLst>
+                                            <p:cond delay="0"/>
+                                          </p:stCondLst>
+                                        </p:cTn>
+                                        <p:tgtEl>
+                                          <p:spTgt spid="5">
+                                            <p:txEl>
+                                              <p:pRg st="2" end="2"/>
+                                            </p:txEl>
+                                          </p:spTgt>
+                                        </p:tgtEl>
+                                        <p:attrNameLst>
+                                          <p:attrName>style.visibility</p:attrName>
+                                        </p:attrNameLst>
+                                      </p:cBhvr>
+                                      <p:to>
+                                        <p:strVal val="visible"/>
+                                      </p:to>
+                                    </p:set>
+                                  </p:childTnLst>
+                                </p:cTn>
+                              </p:par>
+                              <p:par>
+                                <p:cTn id="9" presetID="1" presetClass="entr" presetSubtype="0" fill="hold" nodeType="withEffect">
+                                  <p:stCondLst>
+                                    <p:cond delay="0"/>
+                                  </p:stCondLst>
+                                  <p:childTnLst>
+                                    <p:set>
+                                      <p:cBhvr>
+                                        <p:cTn id="10" dur="1" fill="hold">
+                                          <p:stCondLst>
+                                            <p:cond delay="0"/>
+                                          </p:stCondLst>
+                                        </p:cTn>
+                                        <p:tgtEl>
+                                          <p:spTgt spid="5">
+                                            <p:txEl>
+                                              <p:pRg st="3" end="3"/>
+                                            </p:txEl>
+                                          </p:spTgt>
+                                        </p:tgtEl>
+                                        <p:attrNameLst>
+                                          <p:attrName>style.visibility</p:attrName>
+                                        </p:attrNameLst>
+                                      </p:cBhvr>
+                                      <p:to>
+                                        <p:strVal val="visible"/>
+                                      </p:to>
+                                    </p:set>
+                                  </p:childTnLst>
+                                </p:cTn>
+                              </p:par>
+                              <p:par>
+                                <p:cTn id="11" presetID="1" presetClass="entr" presetSubtype="0" fill="hold" nodeType="withEffect">
+                                  <p:stCondLst>
+                                    <p:cond delay="0"/>
+                                  </p:stCondLst>
+                                  <p:childTnLst>
+                                    <p:set>
+                                      <p:cBhvr>
+                                        <p:cTn id="12" dur="1" fill="hold">
+                                          <p:stCondLst>
+                                            <p:cond delay="0"/>
+                                          </p:stCondLst>
+                                        </p:cTn>
+                                        <p:tgtEl>
+                                          <p:spTgt spid="5">
+                                            <p:txEl>
+                                              <p:pRg st="4" end="4"/>
+                                            </p:txEl>
+                                          </p:spTgt>
+                                        </p:tgtEl>
+                                        <p:attrNameLst>
+                                          <p:attrName>style.visibility</p:attrName>
+                                        </p:attrNameLst>
+                                      </p:cBhvr>
+                                      <p:to>
+                                        <p:strVal val="visible"/>
+                                      </p:to>
+                                    </p:set>
+                                  </p:childTnLst>
+                                </p:cTn>
+                              </p:par>
+                              <p:par>
+                                <p:cTn id="13" presetID="1" presetClass="entr" presetSubtype="0" fill="hold" nodeType="withEffect">
+                                  <p:stCondLst>
+                                    <p:cond delay="0"/>
+                                  </p:stCondLst>
+                                  <p:childTnLst>
+                                    <p:set>
+                                      <p:cBhvr>
+                                        <p:cTn id="14" dur="1" fill="hold">
+                                          <p:stCondLst>
+                                            <p:cond delay="0"/>
+                                          </p:stCondLst>
+                                        </p:cTn>
+                                        <p:tgtEl>
+                                          <p:spTgt spid="5">
+                                            <p:txEl>
+                                              <p:pRg st="5" end="5"/>
+                                            </p:txEl>
+                                          </p:spTgt>
+                                        </p:tgtEl>
+                                        <p:attrNameLst>
+                                          <p:attrName>style.visibility</p:attrName>
+                                        </p:attrNameLst>
+                                      </p:cBhvr>
+                                      <p:to>
+                                        <p:strVal val="visible"/>
+                                      </p:to>
+                                    </p:set>
+                                  </p:childTnLst>
+                                </p:cTn>
+                              </p:par>
+                              <p:par>
+                                <p:cTn id="15" presetID="1" presetClass="entr" presetSubtype="0" fill="hold" nodeType="withEffect">
+                                  <p:stCondLst>
+                                    <p:cond delay="0"/>
+                                  </p:stCondLst>
+                                  <p:childTnLst>
+                                    <p:set>
+                                      <p:cBhvr>
+                                        <p:cTn id="16" dur="1" fill="hold">
+                                          <p:stCondLst>
+                                            <p:cond delay="0"/>
+                                          </p:stCondLst>
+                                        </p:cTn>
+                                        <p:tgtEl>
+                                          <p:spTgt spid="5">
+                                            <p:txEl>
+                                              <p:pRg st="6" end="6"/>
+                                            </p:txEl>
+                                          </p:spTgt>
+                                        </p:tgtEl>
+                                        <p:attrNameLst>
+                                          <p:attrName>style.visibility</p:attrName>
+                                        </p:attrNameLst>
+                                      </p:cBhvr>
+                                      <p:to>
+                                        <p:strVal val="visible"/>
+                                      </p:to>
+                                    </p:set>
+                                  </p:childTnLst>
+                                </p:cTn>
+                              </p:par>
+                              <p:par>
+                                <p:cTn id="17" presetID="1" presetClass="entr" presetSubtype="0" fill="hold" nodeType="withEffect">
+                                  <p:stCondLst>
+                                    <p:cond delay="0"/>
+                                  </p:stCondLst>
+                                  <p:childTnLst>
+                                    <p:set>
+                                      <p:cBhvr>
+                                        <p:cTn id="18" dur="1" fill="hold">
+                                          <p:stCondLst>
+                                            <p:cond delay="0"/>
+                                          </p:stCondLst>
+                                        </p:cTn>
+                                        <p:tgtEl>
+                                          <p:spTgt spid="5">
+                                            <p:txEl>
+                                              <p:pRg st="8" end="8"/>
+                                            </p:txEl>
+                                          </p:spTgt>
+                                        </p:tgtEl>
+                                        <p:attrNameLst>
+                                          <p:attrName>style.visibility</p:attrName>
+                                        </p:attrNameLst>
+                                      </p:cBhvr>
+                                      <p:to>
+                                        <p:strVal val="visible"/>
+                                      </p:to>
+                                    </p:set>
+                                  </p:childTnLst>
+                                </p:cTn>
+                              </p:par>
+                              <p:par>
+                                <p:cTn id="19" presetID="1" presetClass="entr" presetSubtype="0" fill="hold" nodeType="withEffect">
+                                  <p:stCondLst>
+                                    <p:cond delay="0"/>
+                                  </p:stCondLst>
+                                  <p:childTnLst>
+                                    <p:set>
+                                      <p:cBhvr>
+                                        <p:cTn id="20" dur="1" fill="hold">
+                                          <p:stCondLst>
+                                            <p:cond delay="0"/>
+                                          </p:stCondLst>
+                                        </p:cTn>
+                                        <p:tgtEl>
+                                          <p:spTgt spid="5">
+                                            <p:txEl>
+                                              <p:pRg st="9" end="9"/>
+                                            </p:txEl>
+                                          </p:spTgt>
                                         </p:tgtEl>
                                         <p:attrNameLst>
                                           <p:attrName>style.visibility</p:attrName>
@@ -6926,9 +7147,6 @@
         </p:cTn>
       </p:par>
     </p:tnLst>
-    <p:bldLst>
-      <p:bldP spid="5" grpId="0" animBg="1"/>
-    </p:bldLst>
   </p:timing>
 </p:sld>
 </file>
@@ -7625,7 +7843,8 @@
                 <a:highlight>
                   <a:srgbClr val="000000"/>
                 </a:highlight>
-                <a:latin typeface="Menlo" panose="020B0609030804020204" pitchFamily="49" charset="0"/>
+                <a:latin typeface="Cascadia Code" panose="020B0609020000020004" pitchFamily="49" charset="0"/>
+                <a:cs typeface="Cascadia Code" panose="020B0609020000020004" pitchFamily="49" charset="0"/>
               </a:rPr>
               <a:t>int</a:t>
             </a:r>
@@ -7637,7 +7856,8 @@
                 <a:highlight>
                   <a:srgbClr val="000000"/>
                 </a:highlight>
-                <a:latin typeface="Menlo" panose="020B0609030804020204" pitchFamily="49" charset="0"/>
+                <a:latin typeface="Cascadia Code" panose="020B0609020000020004" pitchFamily="49" charset="0"/>
+                <a:cs typeface="Cascadia Code" panose="020B0609020000020004" pitchFamily="49" charset="0"/>
               </a:rPr>
               <a:t>[][] </a:t>
             </a:r>
@@ -7649,7 +7869,8 @@
                 <a:highlight>
                   <a:srgbClr val="000000"/>
                 </a:highlight>
-                <a:latin typeface="Menlo" panose="020B0609030804020204" pitchFamily="49" charset="0"/>
+                <a:latin typeface="Cascadia Code" panose="020B0609020000020004" pitchFamily="49" charset="0"/>
+                <a:cs typeface="Cascadia Code" panose="020B0609020000020004" pitchFamily="49" charset="0"/>
               </a:rPr>
               <a:t>table</a:t>
             </a:r>
@@ -7661,7 +7882,8 @@
                 <a:highlight>
                   <a:srgbClr val="000000"/>
                 </a:highlight>
-                <a:latin typeface="Menlo" panose="020B0609030804020204" pitchFamily="49" charset="0"/>
+                <a:latin typeface="Cascadia Code" panose="020B0609020000020004" pitchFamily="49" charset="0"/>
+                <a:cs typeface="Cascadia Code" panose="020B0609020000020004" pitchFamily="49" charset="0"/>
               </a:rPr>
               <a:t> = </a:t>
             </a:r>
@@ -7673,7 +7895,8 @@
                 <a:highlight>
                   <a:srgbClr val="000000"/>
                 </a:highlight>
-                <a:latin typeface="Menlo" panose="020B0609030804020204" pitchFamily="49" charset="0"/>
+                <a:latin typeface="Cascadia Code" panose="020B0609020000020004" pitchFamily="49" charset="0"/>
+                <a:cs typeface="Cascadia Code" panose="020B0609020000020004" pitchFamily="49" charset="0"/>
               </a:rPr>
               <a:t>new</a:t>
             </a:r>
@@ -7685,7 +7908,8 @@
                 <a:highlight>
                   <a:srgbClr val="000000"/>
                 </a:highlight>
-                <a:latin typeface="Menlo" panose="020B0609030804020204" pitchFamily="49" charset="0"/>
+                <a:latin typeface="Cascadia Code" panose="020B0609020000020004" pitchFamily="49" charset="0"/>
+                <a:cs typeface="Cascadia Code" panose="020B0609020000020004" pitchFamily="49" charset="0"/>
               </a:rPr>
               <a:t> </a:t>
             </a:r>
@@ -7697,7 +7921,8 @@
                 <a:highlight>
                   <a:srgbClr val="000000"/>
                 </a:highlight>
-                <a:latin typeface="Menlo" panose="020B0609030804020204" pitchFamily="49" charset="0"/>
+                <a:latin typeface="Cascadia Code" panose="020B0609020000020004" pitchFamily="49" charset="0"/>
+                <a:cs typeface="Cascadia Code" panose="020B0609020000020004" pitchFamily="49" charset="0"/>
               </a:rPr>
               <a:t>int</a:t>
             </a:r>
@@ -7709,7 +7934,8 @@
                 <a:highlight>
                   <a:srgbClr val="000000"/>
                 </a:highlight>
-                <a:latin typeface="Menlo" panose="020B0609030804020204" pitchFamily="49" charset="0"/>
+                <a:latin typeface="Cascadia Code" panose="020B0609020000020004" pitchFamily="49" charset="0"/>
+                <a:cs typeface="Cascadia Code" panose="020B0609020000020004" pitchFamily="49" charset="0"/>
               </a:rPr>
               <a:t>[</a:t>
             </a:r>
@@ -7721,7 +7947,8 @@
                 <a:highlight>
                   <a:srgbClr val="000000"/>
                 </a:highlight>
-                <a:latin typeface="Menlo" panose="020B0609030804020204" pitchFamily="49" charset="0"/>
+                <a:latin typeface="Cascadia Code" panose="020B0609020000020004" pitchFamily="49" charset="0"/>
+                <a:cs typeface="Cascadia Code" panose="020B0609020000020004" pitchFamily="49" charset="0"/>
               </a:rPr>
               <a:t>3</a:t>
             </a:r>
@@ -7733,7 +7960,8 @@
                 <a:highlight>
                   <a:srgbClr val="000000"/>
                 </a:highlight>
-                <a:latin typeface="Menlo" panose="020B0609030804020204" pitchFamily="49" charset="0"/>
+                <a:latin typeface="Cascadia Code" panose="020B0609020000020004" pitchFamily="49" charset="0"/>
+                <a:cs typeface="Cascadia Code" panose="020B0609020000020004" pitchFamily="49" charset="0"/>
               </a:rPr>
               <a:t>][</a:t>
             </a:r>
@@ -7745,7 +7973,8 @@
                 <a:highlight>
                   <a:srgbClr val="000000"/>
                 </a:highlight>
-                <a:latin typeface="Menlo" panose="020B0609030804020204" pitchFamily="49" charset="0"/>
+                <a:latin typeface="Cascadia Code" panose="020B0609020000020004" pitchFamily="49" charset="0"/>
+                <a:cs typeface="Cascadia Code" panose="020B0609020000020004" pitchFamily="49" charset="0"/>
               </a:rPr>
               <a:t>5</a:t>
             </a:r>
@@ -7757,7 +7986,8 @@
                 <a:highlight>
                   <a:srgbClr val="000000"/>
                 </a:highlight>
-                <a:latin typeface="Menlo" panose="020B0609030804020204" pitchFamily="49" charset="0"/>
+                <a:latin typeface="Cascadia Code" panose="020B0609020000020004" pitchFamily="49" charset="0"/>
+                <a:cs typeface="Cascadia Code" panose="020B0609020000020004" pitchFamily="49" charset="0"/>
               </a:rPr>
               <a:t>];</a:t>
             </a:r>
@@ -9331,7 +9561,8 @@
                 <a:solidFill>
                   <a:srgbClr val="4EC9B0"/>
                 </a:solidFill>
-                <a:latin typeface="Menlo" panose="020B0609030804020204" pitchFamily="49" charset="0"/>
+                <a:latin typeface="Cascadia Code" panose="020B0609020000020004" pitchFamily="49" charset="0"/>
+                <a:cs typeface="Cascadia Code" panose="020B0609020000020004" pitchFamily="49" charset="0"/>
               </a:rPr>
               <a:t>int</a:t>
             </a:r>
@@ -9340,7 +9571,8 @@
                 <a:solidFill>
                   <a:srgbClr val="D4D4D4"/>
                 </a:solidFill>
-                <a:latin typeface="Menlo" panose="020B0609030804020204" pitchFamily="49" charset="0"/>
+                <a:latin typeface="Cascadia Code" panose="020B0609020000020004" pitchFamily="49" charset="0"/>
+                <a:cs typeface="Cascadia Code" panose="020B0609020000020004" pitchFamily="49" charset="0"/>
               </a:rPr>
               <a:t>[][] </a:t>
             </a:r>
@@ -9349,7 +9581,8 @@
                 <a:solidFill>
                   <a:srgbClr val="9CDCFE"/>
                 </a:solidFill>
-                <a:latin typeface="Menlo" panose="020B0609030804020204" pitchFamily="49" charset="0"/>
+                <a:latin typeface="Cascadia Code" panose="020B0609020000020004" pitchFamily="49" charset="0"/>
+                <a:cs typeface="Cascadia Code" panose="020B0609020000020004" pitchFamily="49" charset="0"/>
               </a:rPr>
               <a:t>b</a:t>
             </a:r>
@@ -9358,7 +9591,8 @@
                 <a:solidFill>
                   <a:srgbClr val="D4D4D4"/>
                 </a:solidFill>
-                <a:latin typeface="Menlo" panose="020B0609030804020204" pitchFamily="49" charset="0"/>
+                <a:latin typeface="Cascadia Code" panose="020B0609020000020004" pitchFamily="49" charset="0"/>
+                <a:cs typeface="Cascadia Code" panose="020B0609020000020004" pitchFamily="49" charset="0"/>
               </a:rPr>
               <a:t>;</a:t>
             </a:r>
@@ -9369,7 +9603,8 @@
                 <a:solidFill>
                   <a:srgbClr val="D4D4D4"/>
                 </a:solidFill>
-                <a:latin typeface="Menlo" panose="020B0609030804020204" pitchFamily="49" charset="0"/>
+                <a:latin typeface="Cascadia Code" panose="020B0609020000020004" pitchFamily="49" charset="0"/>
+                <a:cs typeface="Cascadia Code" panose="020B0609020000020004" pitchFamily="49" charset="0"/>
               </a:rPr>
               <a:t>b = </a:t>
             </a:r>
@@ -9378,7 +9613,8 @@
                 <a:solidFill>
                   <a:srgbClr val="C586C0"/>
                 </a:solidFill>
-                <a:latin typeface="Menlo" panose="020B0609030804020204" pitchFamily="49" charset="0"/>
+                <a:latin typeface="Cascadia Code" panose="020B0609020000020004" pitchFamily="49" charset="0"/>
+                <a:cs typeface="Cascadia Code" panose="020B0609020000020004" pitchFamily="49" charset="0"/>
               </a:rPr>
               <a:t>new</a:t>
             </a:r>
@@ -9387,7 +9623,8 @@
                 <a:solidFill>
                   <a:srgbClr val="D4D4D4"/>
                 </a:solidFill>
-                <a:latin typeface="Menlo" panose="020B0609030804020204" pitchFamily="49" charset="0"/>
+                <a:latin typeface="Cascadia Code" panose="020B0609020000020004" pitchFamily="49" charset="0"/>
+                <a:cs typeface="Cascadia Code" panose="020B0609020000020004" pitchFamily="49" charset="0"/>
               </a:rPr>
               <a:t> </a:t>
             </a:r>
@@ -9396,7 +9633,8 @@
                 <a:solidFill>
                   <a:srgbClr val="4EC9B0"/>
                 </a:solidFill>
-                <a:latin typeface="Menlo" panose="020B0609030804020204" pitchFamily="49" charset="0"/>
+                <a:latin typeface="Cascadia Code" panose="020B0609020000020004" pitchFamily="49" charset="0"/>
+                <a:cs typeface="Cascadia Code" panose="020B0609020000020004" pitchFamily="49" charset="0"/>
               </a:rPr>
               <a:t>int</a:t>
             </a:r>
@@ -9405,7 +9643,8 @@
                 <a:solidFill>
                   <a:srgbClr val="D4D4D4"/>
                 </a:solidFill>
-                <a:latin typeface="Menlo" panose="020B0609030804020204" pitchFamily="49" charset="0"/>
+                <a:latin typeface="Cascadia Code" panose="020B0609020000020004" pitchFamily="49" charset="0"/>
+                <a:cs typeface="Cascadia Code" panose="020B0609020000020004" pitchFamily="49" charset="0"/>
               </a:rPr>
               <a:t>[</a:t>
             </a:r>
@@ -9414,7 +9653,8 @@
                 <a:solidFill>
                   <a:srgbClr val="B5CEA8"/>
                 </a:solidFill>
-                <a:latin typeface="Menlo" panose="020B0609030804020204" pitchFamily="49" charset="0"/>
+                <a:latin typeface="Cascadia Code" panose="020B0609020000020004" pitchFamily="49" charset="0"/>
+                <a:cs typeface="Cascadia Code" panose="020B0609020000020004" pitchFamily="49" charset="0"/>
               </a:rPr>
               <a:t>3</a:t>
             </a:r>
@@ -9423,7 +9663,8 @@
                 <a:solidFill>
                   <a:srgbClr val="D4D4D4"/>
                 </a:solidFill>
-                <a:latin typeface="Menlo" panose="020B0609030804020204" pitchFamily="49" charset="0"/>
+                <a:latin typeface="Cascadia Code" panose="020B0609020000020004" pitchFamily="49" charset="0"/>
+                <a:cs typeface="Cascadia Code" panose="020B0609020000020004" pitchFamily="49" charset="0"/>
               </a:rPr>
               <a:t>][];</a:t>
             </a:r>
@@ -9434,7 +9675,8 @@
                 <a:solidFill>
                   <a:srgbClr val="D4D4D4"/>
                 </a:solidFill>
-                <a:latin typeface="Menlo" panose="020B0609030804020204" pitchFamily="49" charset="0"/>
+                <a:latin typeface="Cascadia Code" panose="020B0609020000020004" pitchFamily="49" charset="0"/>
+                <a:cs typeface="Cascadia Code" panose="020B0609020000020004" pitchFamily="49" charset="0"/>
               </a:rPr>
               <a:t>b[</a:t>
             </a:r>
@@ -9443,7 +9685,8 @@
                 <a:solidFill>
                   <a:srgbClr val="B5CEA8"/>
                 </a:solidFill>
-                <a:latin typeface="Menlo" panose="020B0609030804020204" pitchFamily="49" charset="0"/>
+                <a:latin typeface="Cascadia Code" panose="020B0609020000020004" pitchFamily="49" charset="0"/>
+                <a:cs typeface="Cascadia Code" panose="020B0609020000020004" pitchFamily="49" charset="0"/>
               </a:rPr>
               <a:t>0</a:t>
             </a:r>
@@ -9452,7 +9695,8 @@
                 <a:solidFill>
                   <a:srgbClr val="D4D4D4"/>
                 </a:solidFill>
-                <a:latin typeface="Menlo" panose="020B0609030804020204" pitchFamily="49" charset="0"/>
+                <a:latin typeface="Cascadia Code" panose="020B0609020000020004" pitchFamily="49" charset="0"/>
+                <a:cs typeface="Cascadia Code" panose="020B0609020000020004" pitchFamily="49" charset="0"/>
               </a:rPr>
               <a:t>] = </a:t>
             </a:r>
@@ -9461,7 +9705,8 @@
                 <a:solidFill>
                   <a:srgbClr val="C586C0"/>
                 </a:solidFill>
-                <a:latin typeface="Menlo" panose="020B0609030804020204" pitchFamily="49" charset="0"/>
+                <a:latin typeface="Cascadia Code" panose="020B0609020000020004" pitchFamily="49" charset="0"/>
+                <a:cs typeface="Cascadia Code" panose="020B0609020000020004" pitchFamily="49" charset="0"/>
               </a:rPr>
               <a:t>new</a:t>
             </a:r>
@@ -9470,7 +9715,8 @@
                 <a:solidFill>
                   <a:srgbClr val="D4D4D4"/>
                 </a:solidFill>
-                <a:latin typeface="Menlo" panose="020B0609030804020204" pitchFamily="49" charset="0"/>
+                <a:latin typeface="Cascadia Code" panose="020B0609020000020004" pitchFamily="49" charset="0"/>
+                <a:cs typeface="Cascadia Code" panose="020B0609020000020004" pitchFamily="49" charset="0"/>
               </a:rPr>
               <a:t> </a:t>
             </a:r>
@@ -9479,7 +9725,8 @@
                 <a:solidFill>
                   <a:srgbClr val="4EC9B0"/>
                 </a:solidFill>
-                <a:latin typeface="Menlo" panose="020B0609030804020204" pitchFamily="49" charset="0"/>
+                <a:latin typeface="Cascadia Code" panose="020B0609020000020004" pitchFamily="49" charset="0"/>
+                <a:cs typeface="Cascadia Code" panose="020B0609020000020004" pitchFamily="49" charset="0"/>
               </a:rPr>
               <a:t>int</a:t>
             </a:r>
@@ -9488,7 +9735,8 @@
                 <a:solidFill>
                   <a:srgbClr val="D4D4D4"/>
                 </a:solidFill>
-                <a:latin typeface="Menlo" panose="020B0609030804020204" pitchFamily="49" charset="0"/>
+                <a:latin typeface="Cascadia Code" panose="020B0609020000020004" pitchFamily="49" charset="0"/>
+                <a:cs typeface="Cascadia Code" panose="020B0609020000020004" pitchFamily="49" charset="0"/>
               </a:rPr>
               <a:t>[</a:t>
             </a:r>
@@ -9497,7 +9745,8 @@
                 <a:solidFill>
                   <a:srgbClr val="B5CEA8"/>
                 </a:solidFill>
-                <a:latin typeface="Menlo" panose="020B0609030804020204" pitchFamily="49" charset="0"/>
+                <a:latin typeface="Cascadia Code" panose="020B0609020000020004" pitchFamily="49" charset="0"/>
+                <a:cs typeface="Cascadia Code" panose="020B0609020000020004" pitchFamily="49" charset="0"/>
               </a:rPr>
               <a:t>5</a:t>
             </a:r>
@@ -9506,7 +9755,8 @@
                 <a:solidFill>
                   <a:srgbClr val="D4D4D4"/>
                 </a:solidFill>
-                <a:latin typeface="Menlo" panose="020B0609030804020204" pitchFamily="49" charset="0"/>
+                <a:latin typeface="Cascadia Code" panose="020B0609020000020004" pitchFamily="49" charset="0"/>
+                <a:cs typeface="Cascadia Code" panose="020B0609020000020004" pitchFamily="49" charset="0"/>
               </a:rPr>
               <a:t>]; </a:t>
             </a:r>
@@ -9515,7 +9765,8 @@
                 <a:solidFill>
                   <a:srgbClr val="6A9955"/>
                 </a:solidFill>
-                <a:latin typeface="Menlo" panose="020B0609030804020204" pitchFamily="49" charset="0"/>
+                <a:latin typeface="Cascadia Code" panose="020B0609020000020004" pitchFamily="49" charset="0"/>
+                <a:cs typeface="Cascadia Code" panose="020B0609020000020004" pitchFamily="49" charset="0"/>
               </a:rPr>
               <a:t>//First row, 5 elements</a:t>
             </a:r>
@@ -9523,7 +9774,8 @@
               <a:solidFill>
                 <a:srgbClr val="D4D4D4"/>
               </a:solidFill>
-              <a:latin typeface="Menlo" panose="020B0609030804020204" pitchFamily="49" charset="0"/>
+              <a:latin typeface="Cascadia Code" panose="020B0609020000020004" pitchFamily="49" charset="0"/>
+              <a:cs typeface="Cascadia Code" panose="020B0609020000020004" pitchFamily="49" charset="0"/>
             </a:endParaRPr>
           </a:p>
           <a:p>
@@ -9532,7 +9784,8 @@
                 <a:solidFill>
                   <a:srgbClr val="D4D4D4"/>
                 </a:solidFill>
-                <a:latin typeface="Menlo" panose="020B0609030804020204" pitchFamily="49" charset="0"/>
+                <a:latin typeface="Cascadia Code" panose="020B0609020000020004" pitchFamily="49" charset="0"/>
+                <a:cs typeface="Cascadia Code" panose="020B0609020000020004" pitchFamily="49" charset="0"/>
               </a:rPr>
               <a:t>b[</a:t>
             </a:r>
@@ -9541,7 +9794,8 @@
                 <a:solidFill>
                   <a:srgbClr val="B5CEA8"/>
                 </a:solidFill>
-                <a:latin typeface="Menlo" panose="020B0609030804020204" pitchFamily="49" charset="0"/>
+                <a:latin typeface="Cascadia Code" panose="020B0609020000020004" pitchFamily="49" charset="0"/>
+                <a:cs typeface="Cascadia Code" panose="020B0609020000020004" pitchFamily="49" charset="0"/>
               </a:rPr>
               <a:t>1</a:t>
             </a:r>
@@ -9550,7 +9804,8 @@
                 <a:solidFill>
                   <a:srgbClr val="D4D4D4"/>
                 </a:solidFill>
-                <a:latin typeface="Menlo" panose="020B0609030804020204" pitchFamily="49" charset="0"/>
+                <a:latin typeface="Cascadia Code" panose="020B0609020000020004" pitchFamily="49" charset="0"/>
+                <a:cs typeface="Cascadia Code" panose="020B0609020000020004" pitchFamily="49" charset="0"/>
               </a:rPr>
               <a:t>] = </a:t>
             </a:r>
@@ -9559,7 +9814,8 @@
                 <a:solidFill>
                   <a:srgbClr val="C586C0"/>
                 </a:solidFill>
-                <a:latin typeface="Menlo" panose="020B0609030804020204" pitchFamily="49" charset="0"/>
+                <a:latin typeface="Cascadia Code" panose="020B0609020000020004" pitchFamily="49" charset="0"/>
+                <a:cs typeface="Cascadia Code" panose="020B0609020000020004" pitchFamily="49" charset="0"/>
               </a:rPr>
               <a:t>new</a:t>
             </a:r>
@@ -9568,7 +9824,8 @@
                 <a:solidFill>
                   <a:srgbClr val="D4D4D4"/>
                 </a:solidFill>
-                <a:latin typeface="Menlo" panose="020B0609030804020204" pitchFamily="49" charset="0"/>
+                <a:latin typeface="Cascadia Code" panose="020B0609020000020004" pitchFamily="49" charset="0"/>
+                <a:cs typeface="Cascadia Code" panose="020B0609020000020004" pitchFamily="49" charset="0"/>
               </a:rPr>
               <a:t> </a:t>
             </a:r>
@@ -9577,7 +9834,8 @@
                 <a:solidFill>
                   <a:srgbClr val="4EC9B0"/>
                 </a:solidFill>
-                <a:latin typeface="Menlo" panose="020B0609030804020204" pitchFamily="49" charset="0"/>
+                <a:latin typeface="Cascadia Code" panose="020B0609020000020004" pitchFamily="49" charset="0"/>
+                <a:cs typeface="Cascadia Code" panose="020B0609020000020004" pitchFamily="49" charset="0"/>
               </a:rPr>
               <a:t>int</a:t>
             </a:r>
@@ -9586,7 +9844,8 @@
                 <a:solidFill>
                   <a:srgbClr val="D4D4D4"/>
                 </a:solidFill>
-                <a:latin typeface="Menlo" panose="020B0609030804020204" pitchFamily="49" charset="0"/>
+                <a:latin typeface="Cascadia Code" panose="020B0609020000020004" pitchFamily="49" charset="0"/>
+                <a:cs typeface="Cascadia Code" panose="020B0609020000020004" pitchFamily="49" charset="0"/>
               </a:rPr>
               <a:t>[</a:t>
             </a:r>
@@ -9595,7 +9854,8 @@
                 <a:solidFill>
                   <a:srgbClr val="B5CEA8"/>
                 </a:solidFill>
-                <a:latin typeface="Menlo" panose="020B0609030804020204" pitchFamily="49" charset="0"/>
+                <a:latin typeface="Cascadia Code" panose="020B0609020000020004" pitchFamily="49" charset="0"/>
+                <a:cs typeface="Cascadia Code" panose="020B0609020000020004" pitchFamily="49" charset="0"/>
               </a:rPr>
               <a:t>7</a:t>
             </a:r>
@@ -9604,7 +9864,8 @@
                 <a:solidFill>
                   <a:srgbClr val="D4D4D4"/>
                 </a:solidFill>
-                <a:latin typeface="Menlo" panose="020B0609030804020204" pitchFamily="49" charset="0"/>
+                <a:latin typeface="Cascadia Code" panose="020B0609020000020004" pitchFamily="49" charset="0"/>
+                <a:cs typeface="Cascadia Code" panose="020B0609020000020004" pitchFamily="49" charset="0"/>
               </a:rPr>
               <a:t>]; </a:t>
             </a:r>
@@ -9613,7 +9874,8 @@
                 <a:solidFill>
                   <a:srgbClr val="6A9955"/>
                 </a:solidFill>
-                <a:latin typeface="Menlo" panose="020B0609030804020204" pitchFamily="49" charset="0"/>
+                <a:latin typeface="Cascadia Code" panose="020B0609020000020004" pitchFamily="49" charset="0"/>
+                <a:cs typeface="Cascadia Code" panose="020B0609020000020004" pitchFamily="49" charset="0"/>
               </a:rPr>
               <a:t>//Second row, 7 elements</a:t>
             </a:r>
@@ -9621,7 +9883,8 @@
               <a:solidFill>
                 <a:srgbClr val="D4D4D4"/>
               </a:solidFill>
-              <a:latin typeface="Menlo" panose="020B0609030804020204" pitchFamily="49" charset="0"/>
+              <a:latin typeface="Cascadia Code" panose="020B0609020000020004" pitchFamily="49" charset="0"/>
+              <a:cs typeface="Cascadia Code" panose="020B0609020000020004" pitchFamily="49" charset="0"/>
             </a:endParaRPr>
           </a:p>
           <a:p>
@@ -9630,7 +9893,8 @@
                 <a:solidFill>
                   <a:srgbClr val="D4D4D4"/>
                 </a:solidFill>
-                <a:latin typeface="Menlo" panose="020B0609030804020204" pitchFamily="49" charset="0"/>
+                <a:latin typeface="Cascadia Code" panose="020B0609020000020004" pitchFamily="49" charset="0"/>
+                <a:cs typeface="Cascadia Code" panose="020B0609020000020004" pitchFamily="49" charset="0"/>
               </a:rPr>
               <a:t>b[</a:t>
             </a:r>
@@ -9639,7 +9903,8 @@
                 <a:solidFill>
                   <a:srgbClr val="B5CEA8"/>
                 </a:solidFill>
-                <a:latin typeface="Menlo" panose="020B0609030804020204" pitchFamily="49" charset="0"/>
+                <a:latin typeface="Cascadia Code" panose="020B0609020000020004" pitchFamily="49" charset="0"/>
+                <a:cs typeface="Cascadia Code" panose="020B0609020000020004" pitchFamily="49" charset="0"/>
               </a:rPr>
               <a:t>2</a:t>
             </a:r>
@@ -9648,7 +9913,8 @@
                 <a:solidFill>
                   <a:srgbClr val="D4D4D4"/>
                 </a:solidFill>
-                <a:latin typeface="Menlo" panose="020B0609030804020204" pitchFamily="49" charset="0"/>
+                <a:latin typeface="Cascadia Code" panose="020B0609020000020004" pitchFamily="49" charset="0"/>
+                <a:cs typeface="Cascadia Code" panose="020B0609020000020004" pitchFamily="49" charset="0"/>
               </a:rPr>
               <a:t>] = </a:t>
             </a:r>
@@ -9657,7 +9923,8 @@
                 <a:solidFill>
                   <a:srgbClr val="C586C0"/>
                 </a:solidFill>
-                <a:latin typeface="Menlo" panose="020B0609030804020204" pitchFamily="49" charset="0"/>
+                <a:latin typeface="Cascadia Code" panose="020B0609020000020004" pitchFamily="49" charset="0"/>
+                <a:cs typeface="Cascadia Code" panose="020B0609020000020004" pitchFamily="49" charset="0"/>
               </a:rPr>
               <a:t>new</a:t>
             </a:r>
@@ -9666,7 +9933,8 @@
                 <a:solidFill>
                   <a:srgbClr val="D4D4D4"/>
                 </a:solidFill>
-                <a:latin typeface="Menlo" panose="020B0609030804020204" pitchFamily="49" charset="0"/>
+                <a:latin typeface="Cascadia Code" panose="020B0609020000020004" pitchFamily="49" charset="0"/>
+                <a:cs typeface="Cascadia Code" panose="020B0609020000020004" pitchFamily="49" charset="0"/>
               </a:rPr>
               <a:t> </a:t>
             </a:r>
@@ -9675,7 +9943,8 @@
                 <a:solidFill>
                   <a:srgbClr val="4EC9B0"/>
                 </a:solidFill>
-                <a:latin typeface="Menlo" panose="020B0609030804020204" pitchFamily="49" charset="0"/>
+                <a:latin typeface="Cascadia Code" panose="020B0609020000020004" pitchFamily="49" charset="0"/>
+                <a:cs typeface="Cascadia Code" panose="020B0609020000020004" pitchFamily="49" charset="0"/>
               </a:rPr>
               <a:t>int</a:t>
             </a:r>
@@ -9684,7 +9953,8 @@
                 <a:solidFill>
                   <a:srgbClr val="D4D4D4"/>
                 </a:solidFill>
-                <a:latin typeface="Menlo" panose="020B0609030804020204" pitchFamily="49" charset="0"/>
+                <a:latin typeface="Cascadia Code" panose="020B0609020000020004" pitchFamily="49" charset="0"/>
+                <a:cs typeface="Cascadia Code" panose="020B0609020000020004" pitchFamily="49" charset="0"/>
               </a:rPr>
               <a:t>[</a:t>
             </a:r>
@@ -9693,7 +9963,8 @@
                 <a:solidFill>
                   <a:srgbClr val="B5CEA8"/>
                 </a:solidFill>
-                <a:latin typeface="Menlo" panose="020B0609030804020204" pitchFamily="49" charset="0"/>
+                <a:latin typeface="Cascadia Code" panose="020B0609020000020004" pitchFamily="49" charset="0"/>
+                <a:cs typeface="Cascadia Code" panose="020B0609020000020004" pitchFamily="49" charset="0"/>
               </a:rPr>
               <a:t>4</a:t>
             </a:r>
@@ -9702,7 +9973,8 @@
                 <a:solidFill>
                   <a:srgbClr val="D4D4D4"/>
                 </a:solidFill>
-                <a:latin typeface="Menlo" panose="020B0609030804020204" pitchFamily="49" charset="0"/>
+                <a:latin typeface="Cascadia Code" panose="020B0609020000020004" pitchFamily="49" charset="0"/>
+                <a:cs typeface="Cascadia Code" panose="020B0609020000020004" pitchFamily="49" charset="0"/>
               </a:rPr>
               <a:t>]; </a:t>
             </a:r>
@@ -9711,7 +9983,8 @@
                 <a:solidFill>
                   <a:srgbClr val="6A9955"/>
                 </a:solidFill>
-                <a:latin typeface="Menlo" panose="020B0609030804020204" pitchFamily="49" charset="0"/>
+                <a:latin typeface="Cascadia Code" panose="020B0609020000020004" pitchFamily="49" charset="0"/>
+                <a:cs typeface="Cascadia Code" panose="020B0609020000020004" pitchFamily="49" charset="0"/>
               </a:rPr>
               <a:t>//Third row, 4 elements</a:t>
             </a:r>
@@ -9720,7 +9993,8 @@
                 <a:solidFill>
                   <a:srgbClr val="D4D4D4"/>
                 </a:solidFill>
-                <a:latin typeface="Menlo" panose="020B0609030804020204" pitchFamily="49" charset="0"/>
+                <a:latin typeface="Cascadia Code" panose="020B0609020000020004" pitchFamily="49" charset="0"/>
+                <a:cs typeface="Cascadia Code" panose="020B0609020000020004" pitchFamily="49" charset="0"/>
               </a:rPr>
             </a:br>
             <a:endParaRPr lang="en-US" b="0" dirty="0">
@@ -9728,7 +10002,8 @@
                 <a:srgbClr val="D4D4D4"/>
               </a:solidFill>
               <a:effectLst/>
-              <a:latin typeface="Menlo" panose="020B0609030804020204" pitchFamily="49" charset="0"/>
+              <a:latin typeface="Cascadia Code" panose="020B0609020000020004" pitchFamily="49" charset="0"/>
+              <a:cs typeface="Cascadia Code" panose="020B0609020000020004" pitchFamily="49" charset="0"/>
             </a:endParaRPr>
           </a:p>
         </p:txBody>
@@ -9894,7 +10169,8 @@
                 <a:solidFill>
                   <a:srgbClr val="4EC9B0"/>
                 </a:solidFill>
-                <a:latin typeface="Menlo" panose="020B0609030804020204" pitchFamily="49" charset="0"/>
+                <a:latin typeface="Cascadia Code" panose="020B0609020000020004" pitchFamily="49" charset="0"/>
+                <a:cs typeface="Cascadia Code" panose="020B0609020000020004" pitchFamily="49" charset="0"/>
               </a:rPr>
               <a:t>int</a:t>
             </a:r>
@@ -9903,7 +10179,8 @@
                 <a:solidFill>
                   <a:srgbClr val="D4D4D4"/>
                 </a:solidFill>
-                <a:latin typeface="Menlo" panose="020B0609030804020204" pitchFamily="49" charset="0"/>
+                <a:latin typeface="Cascadia Code" panose="020B0609020000020004" pitchFamily="49" charset="0"/>
+                <a:cs typeface="Cascadia Code" panose="020B0609020000020004" pitchFamily="49" charset="0"/>
               </a:rPr>
               <a:t>[][] </a:t>
             </a:r>
@@ -9912,7 +10189,8 @@
                 <a:solidFill>
                   <a:srgbClr val="9CDCFE"/>
                 </a:solidFill>
-                <a:latin typeface="Menlo" panose="020B0609030804020204" pitchFamily="49" charset="0"/>
+                <a:latin typeface="Cascadia Code" panose="020B0609020000020004" pitchFamily="49" charset="0"/>
+                <a:cs typeface="Cascadia Code" panose="020B0609020000020004" pitchFamily="49" charset="0"/>
               </a:rPr>
               <a:t>b</a:t>
             </a:r>
@@ -9921,7 +10199,8 @@
                 <a:solidFill>
                   <a:srgbClr val="D4D4D4"/>
                 </a:solidFill>
-                <a:latin typeface="Menlo" panose="020B0609030804020204" pitchFamily="49" charset="0"/>
+                <a:latin typeface="Cascadia Code" panose="020B0609020000020004" pitchFamily="49" charset="0"/>
+                <a:cs typeface="Cascadia Code" panose="020B0609020000020004" pitchFamily="49" charset="0"/>
               </a:rPr>
               <a:t>;</a:t>
             </a:r>
@@ -9932,7 +10211,8 @@
                 <a:solidFill>
                   <a:srgbClr val="D4D4D4"/>
                 </a:solidFill>
-                <a:latin typeface="Menlo" panose="020B0609030804020204" pitchFamily="49" charset="0"/>
+                <a:latin typeface="Cascadia Code" panose="020B0609020000020004" pitchFamily="49" charset="0"/>
+                <a:cs typeface="Cascadia Code" panose="020B0609020000020004" pitchFamily="49" charset="0"/>
               </a:rPr>
               <a:t>b = </a:t>
             </a:r>
@@ -9941,7 +10221,8 @@
                 <a:solidFill>
                   <a:srgbClr val="C586C0"/>
                 </a:solidFill>
-                <a:latin typeface="Menlo" panose="020B0609030804020204" pitchFamily="49" charset="0"/>
+                <a:latin typeface="Cascadia Code" panose="020B0609020000020004" pitchFamily="49" charset="0"/>
+                <a:cs typeface="Cascadia Code" panose="020B0609020000020004" pitchFamily="49" charset="0"/>
               </a:rPr>
               <a:t>new</a:t>
             </a:r>
@@ -9950,7 +10231,8 @@
                 <a:solidFill>
                   <a:srgbClr val="D4D4D4"/>
                 </a:solidFill>
-                <a:latin typeface="Menlo" panose="020B0609030804020204" pitchFamily="49" charset="0"/>
+                <a:latin typeface="Cascadia Code" panose="020B0609020000020004" pitchFamily="49" charset="0"/>
+                <a:cs typeface="Cascadia Code" panose="020B0609020000020004" pitchFamily="49" charset="0"/>
               </a:rPr>
               <a:t> </a:t>
             </a:r>
@@ -9959,7 +10241,8 @@
                 <a:solidFill>
                   <a:srgbClr val="4EC9B0"/>
                 </a:solidFill>
-                <a:latin typeface="Menlo" panose="020B0609030804020204" pitchFamily="49" charset="0"/>
+                <a:latin typeface="Cascadia Code" panose="020B0609020000020004" pitchFamily="49" charset="0"/>
+                <a:cs typeface="Cascadia Code" panose="020B0609020000020004" pitchFamily="49" charset="0"/>
               </a:rPr>
               <a:t>int</a:t>
             </a:r>
@@ -9968,7 +10251,8 @@
                 <a:solidFill>
                   <a:srgbClr val="D4D4D4"/>
                 </a:solidFill>
-                <a:latin typeface="Menlo" panose="020B0609030804020204" pitchFamily="49" charset="0"/>
+                <a:latin typeface="Cascadia Code" panose="020B0609020000020004" pitchFamily="49" charset="0"/>
+                <a:cs typeface="Cascadia Code" panose="020B0609020000020004" pitchFamily="49" charset="0"/>
               </a:rPr>
               <a:t>[</a:t>
             </a:r>
@@ -9977,7 +10261,8 @@
                 <a:solidFill>
                   <a:srgbClr val="B5CEA8"/>
                 </a:solidFill>
-                <a:latin typeface="Menlo" panose="020B0609030804020204" pitchFamily="49" charset="0"/>
+                <a:latin typeface="Cascadia Code" panose="020B0609020000020004" pitchFamily="49" charset="0"/>
+                <a:cs typeface="Cascadia Code" panose="020B0609020000020004" pitchFamily="49" charset="0"/>
               </a:rPr>
               <a:t>3</a:t>
             </a:r>
@@ -9986,7 +10271,8 @@
                 <a:solidFill>
                   <a:srgbClr val="D4D4D4"/>
                 </a:solidFill>
-                <a:latin typeface="Menlo" panose="020B0609030804020204" pitchFamily="49" charset="0"/>
+                <a:latin typeface="Cascadia Code" panose="020B0609020000020004" pitchFamily="49" charset="0"/>
+                <a:cs typeface="Cascadia Code" panose="020B0609020000020004" pitchFamily="49" charset="0"/>
               </a:rPr>
               <a:t>][];</a:t>
             </a:r>
@@ -9997,7 +10283,8 @@
                 <a:solidFill>
                   <a:srgbClr val="D4D4D4"/>
                 </a:solidFill>
-                <a:latin typeface="Menlo" panose="020B0609030804020204" pitchFamily="49" charset="0"/>
+                <a:latin typeface="Cascadia Code" panose="020B0609020000020004" pitchFamily="49" charset="0"/>
+                <a:cs typeface="Cascadia Code" panose="020B0609020000020004" pitchFamily="49" charset="0"/>
               </a:rPr>
               <a:t>b[</a:t>
             </a:r>
@@ -10006,7 +10293,8 @@
                 <a:solidFill>
                   <a:srgbClr val="B5CEA8"/>
                 </a:solidFill>
-                <a:latin typeface="Menlo" panose="020B0609030804020204" pitchFamily="49" charset="0"/>
+                <a:latin typeface="Cascadia Code" panose="020B0609020000020004" pitchFamily="49" charset="0"/>
+                <a:cs typeface="Cascadia Code" panose="020B0609020000020004" pitchFamily="49" charset="0"/>
               </a:rPr>
               <a:t>0</a:t>
             </a:r>
@@ -10015,7 +10303,8 @@
                 <a:solidFill>
                   <a:srgbClr val="D4D4D4"/>
                 </a:solidFill>
-                <a:latin typeface="Menlo" panose="020B0609030804020204" pitchFamily="49" charset="0"/>
+                <a:latin typeface="Cascadia Code" panose="020B0609020000020004" pitchFamily="49" charset="0"/>
+                <a:cs typeface="Cascadia Code" panose="020B0609020000020004" pitchFamily="49" charset="0"/>
               </a:rPr>
               <a:t>] = </a:t>
             </a:r>
@@ -10024,7 +10313,8 @@
                 <a:solidFill>
                   <a:srgbClr val="C586C0"/>
                 </a:solidFill>
-                <a:latin typeface="Menlo" panose="020B0609030804020204" pitchFamily="49" charset="0"/>
+                <a:latin typeface="Cascadia Code" panose="020B0609020000020004" pitchFamily="49" charset="0"/>
+                <a:cs typeface="Cascadia Code" panose="020B0609020000020004" pitchFamily="49" charset="0"/>
               </a:rPr>
               <a:t>new</a:t>
             </a:r>
@@ -10033,7 +10323,8 @@
                 <a:solidFill>
                   <a:srgbClr val="D4D4D4"/>
                 </a:solidFill>
-                <a:latin typeface="Menlo" panose="020B0609030804020204" pitchFamily="49" charset="0"/>
+                <a:latin typeface="Cascadia Code" panose="020B0609020000020004" pitchFamily="49" charset="0"/>
+                <a:cs typeface="Cascadia Code" panose="020B0609020000020004" pitchFamily="49" charset="0"/>
               </a:rPr>
               <a:t> </a:t>
             </a:r>
@@ -10042,7 +10333,8 @@
                 <a:solidFill>
                   <a:srgbClr val="4EC9B0"/>
                 </a:solidFill>
-                <a:latin typeface="Menlo" panose="020B0609030804020204" pitchFamily="49" charset="0"/>
+                <a:latin typeface="Cascadia Code" panose="020B0609020000020004" pitchFamily="49" charset="0"/>
+                <a:cs typeface="Cascadia Code" panose="020B0609020000020004" pitchFamily="49" charset="0"/>
               </a:rPr>
               <a:t>int</a:t>
             </a:r>
@@ -10051,7 +10343,8 @@
                 <a:solidFill>
                   <a:srgbClr val="D4D4D4"/>
                 </a:solidFill>
-                <a:latin typeface="Menlo" panose="020B0609030804020204" pitchFamily="49" charset="0"/>
+                <a:latin typeface="Cascadia Code" panose="020B0609020000020004" pitchFamily="49" charset="0"/>
+                <a:cs typeface="Cascadia Code" panose="020B0609020000020004" pitchFamily="49" charset="0"/>
               </a:rPr>
               <a:t>[</a:t>
             </a:r>
@@ -10060,7 +10353,8 @@
                 <a:solidFill>
                   <a:srgbClr val="B5CEA8"/>
                 </a:solidFill>
-                <a:latin typeface="Menlo" panose="020B0609030804020204" pitchFamily="49" charset="0"/>
+                <a:latin typeface="Cascadia Code" panose="020B0609020000020004" pitchFamily="49" charset="0"/>
+                <a:cs typeface="Cascadia Code" panose="020B0609020000020004" pitchFamily="49" charset="0"/>
               </a:rPr>
               <a:t>5</a:t>
             </a:r>
@@ -10069,7 +10363,8 @@
                 <a:solidFill>
                   <a:srgbClr val="D4D4D4"/>
                 </a:solidFill>
-                <a:latin typeface="Menlo" panose="020B0609030804020204" pitchFamily="49" charset="0"/>
+                <a:latin typeface="Cascadia Code" panose="020B0609020000020004" pitchFamily="49" charset="0"/>
+                <a:cs typeface="Cascadia Code" panose="020B0609020000020004" pitchFamily="49" charset="0"/>
               </a:rPr>
               <a:t>]; </a:t>
             </a:r>
@@ -10078,7 +10373,8 @@
                 <a:solidFill>
                   <a:srgbClr val="6A9955"/>
                 </a:solidFill>
-                <a:latin typeface="Menlo" panose="020B0609030804020204" pitchFamily="49" charset="0"/>
+                <a:latin typeface="Cascadia Code" panose="020B0609020000020004" pitchFamily="49" charset="0"/>
+                <a:cs typeface="Cascadia Code" panose="020B0609020000020004" pitchFamily="49" charset="0"/>
               </a:rPr>
               <a:t>//First row, 5 elements</a:t>
             </a:r>
@@ -10086,7 +10382,8 @@
               <a:solidFill>
                 <a:srgbClr val="D4D4D4"/>
               </a:solidFill>
-              <a:latin typeface="Menlo" panose="020B0609030804020204" pitchFamily="49" charset="0"/>
+              <a:latin typeface="Cascadia Code" panose="020B0609020000020004" pitchFamily="49" charset="0"/>
+              <a:cs typeface="Cascadia Code" panose="020B0609020000020004" pitchFamily="49" charset="0"/>
             </a:endParaRPr>
           </a:p>
           <a:p>
@@ -10095,7 +10392,8 @@
                 <a:solidFill>
                   <a:srgbClr val="D4D4D4"/>
                 </a:solidFill>
-                <a:latin typeface="Menlo" panose="020B0609030804020204" pitchFamily="49" charset="0"/>
+                <a:latin typeface="Cascadia Code" panose="020B0609020000020004" pitchFamily="49" charset="0"/>
+                <a:cs typeface="Cascadia Code" panose="020B0609020000020004" pitchFamily="49" charset="0"/>
               </a:rPr>
               <a:t>b[</a:t>
             </a:r>
@@ -10104,7 +10402,8 @@
                 <a:solidFill>
                   <a:srgbClr val="B5CEA8"/>
                 </a:solidFill>
-                <a:latin typeface="Menlo" panose="020B0609030804020204" pitchFamily="49" charset="0"/>
+                <a:latin typeface="Cascadia Code" panose="020B0609020000020004" pitchFamily="49" charset="0"/>
+                <a:cs typeface="Cascadia Code" panose="020B0609020000020004" pitchFamily="49" charset="0"/>
               </a:rPr>
               <a:t>1</a:t>
             </a:r>
@@ -10113,7 +10412,8 @@
                 <a:solidFill>
                   <a:srgbClr val="D4D4D4"/>
                 </a:solidFill>
-                <a:latin typeface="Menlo" panose="020B0609030804020204" pitchFamily="49" charset="0"/>
+                <a:latin typeface="Cascadia Code" panose="020B0609020000020004" pitchFamily="49" charset="0"/>
+                <a:cs typeface="Cascadia Code" panose="020B0609020000020004" pitchFamily="49" charset="0"/>
               </a:rPr>
               <a:t>] = </a:t>
             </a:r>
@@ -10122,7 +10422,8 @@
                 <a:solidFill>
                   <a:srgbClr val="C586C0"/>
                 </a:solidFill>
-                <a:latin typeface="Menlo" panose="020B0609030804020204" pitchFamily="49" charset="0"/>
+                <a:latin typeface="Cascadia Code" panose="020B0609020000020004" pitchFamily="49" charset="0"/>
+                <a:cs typeface="Cascadia Code" panose="020B0609020000020004" pitchFamily="49" charset="0"/>
               </a:rPr>
               <a:t>new</a:t>
             </a:r>
@@ -10131,7 +10432,8 @@
                 <a:solidFill>
                   <a:srgbClr val="D4D4D4"/>
                 </a:solidFill>
-                <a:latin typeface="Menlo" panose="020B0609030804020204" pitchFamily="49" charset="0"/>
+                <a:latin typeface="Cascadia Code" panose="020B0609020000020004" pitchFamily="49" charset="0"/>
+                <a:cs typeface="Cascadia Code" panose="020B0609020000020004" pitchFamily="49" charset="0"/>
               </a:rPr>
               <a:t> </a:t>
             </a:r>
@@ -10140,7 +10442,8 @@
                 <a:solidFill>
                   <a:srgbClr val="4EC9B0"/>
                 </a:solidFill>
-                <a:latin typeface="Menlo" panose="020B0609030804020204" pitchFamily="49" charset="0"/>
+                <a:latin typeface="Cascadia Code" panose="020B0609020000020004" pitchFamily="49" charset="0"/>
+                <a:cs typeface="Cascadia Code" panose="020B0609020000020004" pitchFamily="49" charset="0"/>
               </a:rPr>
               <a:t>int</a:t>
             </a:r>
@@ -10149,7 +10452,8 @@
                 <a:solidFill>
                   <a:srgbClr val="D4D4D4"/>
                 </a:solidFill>
-                <a:latin typeface="Menlo" panose="020B0609030804020204" pitchFamily="49" charset="0"/>
+                <a:latin typeface="Cascadia Code" panose="020B0609020000020004" pitchFamily="49" charset="0"/>
+                <a:cs typeface="Cascadia Code" panose="020B0609020000020004" pitchFamily="49" charset="0"/>
               </a:rPr>
               <a:t>[</a:t>
             </a:r>
@@ -10158,7 +10462,8 @@
                 <a:solidFill>
                   <a:srgbClr val="B5CEA8"/>
                 </a:solidFill>
-                <a:latin typeface="Menlo" panose="020B0609030804020204" pitchFamily="49" charset="0"/>
+                <a:latin typeface="Cascadia Code" panose="020B0609020000020004" pitchFamily="49" charset="0"/>
+                <a:cs typeface="Cascadia Code" panose="020B0609020000020004" pitchFamily="49" charset="0"/>
               </a:rPr>
               <a:t>7</a:t>
             </a:r>
@@ -10167,7 +10472,8 @@
                 <a:solidFill>
                   <a:srgbClr val="D4D4D4"/>
                 </a:solidFill>
-                <a:latin typeface="Menlo" panose="020B0609030804020204" pitchFamily="49" charset="0"/>
+                <a:latin typeface="Cascadia Code" panose="020B0609020000020004" pitchFamily="49" charset="0"/>
+                <a:cs typeface="Cascadia Code" panose="020B0609020000020004" pitchFamily="49" charset="0"/>
               </a:rPr>
               <a:t>]; </a:t>
             </a:r>
@@ -10176,7 +10482,8 @@
                 <a:solidFill>
                   <a:srgbClr val="6A9955"/>
                 </a:solidFill>
-                <a:latin typeface="Menlo" panose="020B0609030804020204" pitchFamily="49" charset="0"/>
+                <a:latin typeface="Cascadia Code" panose="020B0609020000020004" pitchFamily="49" charset="0"/>
+                <a:cs typeface="Cascadia Code" panose="020B0609020000020004" pitchFamily="49" charset="0"/>
               </a:rPr>
               <a:t>//Second row, 7 elements</a:t>
             </a:r>
@@ -10184,7 +10491,8 @@
               <a:solidFill>
                 <a:srgbClr val="D4D4D4"/>
               </a:solidFill>
-              <a:latin typeface="Menlo" panose="020B0609030804020204" pitchFamily="49" charset="0"/>
+              <a:latin typeface="Cascadia Code" panose="020B0609020000020004" pitchFamily="49" charset="0"/>
+              <a:cs typeface="Cascadia Code" panose="020B0609020000020004" pitchFamily="49" charset="0"/>
             </a:endParaRPr>
           </a:p>
           <a:p>
@@ -10193,7 +10501,8 @@
                 <a:solidFill>
                   <a:srgbClr val="D4D4D4"/>
                 </a:solidFill>
-                <a:latin typeface="Menlo" panose="020B0609030804020204" pitchFamily="49" charset="0"/>
+                <a:latin typeface="Cascadia Code" panose="020B0609020000020004" pitchFamily="49" charset="0"/>
+                <a:cs typeface="Cascadia Code" panose="020B0609020000020004" pitchFamily="49" charset="0"/>
               </a:rPr>
               <a:t>b[</a:t>
             </a:r>
@@ -10202,7 +10511,8 @@
                 <a:solidFill>
                   <a:srgbClr val="B5CEA8"/>
                 </a:solidFill>
-                <a:latin typeface="Menlo" panose="020B0609030804020204" pitchFamily="49" charset="0"/>
+                <a:latin typeface="Cascadia Code" panose="020B0609020000020004" pitchFamily="49" charset="0"/>
+                <a:cs typeface="Cascadia Code" panose="020B0609020000020004" pitchFamily="49" charset="0"/>
               </a:rPr>
               <a:t>2</a:t>
             </a:r>
@@ -10211,7 +10521,8 @@
                 <a:solidFill>
                   <a:srgbClr val="D4D4D4"/>
                 </a:solidFill>
-                <a:latin typeface="Menlo" panose="020B0609030804020204" pitchFamily="49" charset="0"/>
+                <a:latin typeface="Cascadia Code" panose="020B0609020000020004" pitchFamily="49" charset="0"/>
+                <a:cs typeface="Cascadia Code" panose="020B0609020000020004" pitchFamily="49" charset="0"/>
               </a:rPr>
               <a:t>] = </a:t>
             </a:r>
@@ -10220,7 +10531,8 @@
                 <a:solidFill>
                   <a:srgbClr val="C586C0"/>
                 </a:solidFill>
-                <a:latin typeface="Menlo" panose="020B0609030804020204" pitchFamily="49" charset="0"/>
+                <a:latin typeface="Cascadia Code" panose="020B0609020000020004" pitchFamily="49" charset="0"/>
+                <a:cs typeface="Cascadia Code" panose="020B0609020000020004" pitchFamily="49" charset="0"/>
               </a:rPr>
               <a:t>new</a:t>
             </a:r>
@@ -10229,7 +10541,8 @@
                 <a:solidFill>
                   <a:srgbClr val="D4D4D4"/>
                 </a:solidFill>
-                <a:latin typeface="Menlo" panose="020B0609030804020204" pitchFamily="49" charset="0"/>
+                <a:latin typeface="Cascadia Code" panose="020B0609020000020004" pitchFamily="49" charset="0"/>
+                <a:cs typeface="Cascadia Code" panose="020B0609020000020004" pitchFamily="49" charset="0"/>
               </a:rPr>
               <a:t> </a:t>
             </a:r>
@@ -10238,7 +10551,8 @@
                 <a:solidFill>
                   <a:srgbClr val="4EC9B0"/>
                 </a:solidFill>
-                <a:latin typeface="Menlo" panose="020B0609030804020204" pitchFamily="49" charset="0"/>
+                <a:latin typeface="Cascadia Code" panose="020B0609020000020004" pitchFamily="49" charset="0"/>
+                <a:cs typeface="Cascadia Code" panose="020B0609020000020004" pitchFamily="49" charset="0"/>
               </a:rPr>
               <a:t>int</a:t>
             </a:r>
@@ -10247,7 +10561,8 @@
                 <a:solidFill>
                   <a:srgbClr val="D4D4D4"/>
                 </a:solidFill>
-                <a:latin typeface="Menlo" panose="020B0609030804020204" pitchFamily="49" charset="0"/>
+                <a:latin typeface="Cascadia Code" panose="020B0609020000020004" pitchFamily="49" charset="0"/>
+                <a:cs typeface="Cascadia Code" panose="020B0609020000020004" pitchFamily="49" charset="0"/>
               </a:rPr>
               <a:t>[</a:t>
             </a:r>
@@ -10256,7 +10571,8 @@
                 <a:solidFill>
                   <a:srgbClr val="B5CEA8"/>
                 </a:solidFill>
-                <a:latin typeface="Menlo" panose="020B0609030804020204" pitchFamily="49" charset="0"/>
+                <a:latin typeface="Cascadia Code" panose="020B0609020000020004" pitchFamily="49" charset="0"/>
+                <a:cs typeface="Cascadia Code" panose="020B0609020000020004" pitchFamily="49" charset="0"/>
               </a:rPr>
               <a:t>4</a:t>
             </a:r>
@@ -10265,7 +10581,8 @@
                 <a:solidFill>
                   <a:srgbClr val="D4D4D4"/>
                 </a:solidFill>
-                <a:latin typeface="Menlo" panose="020B0609030804020204" pitchFamily="49" charset="0"/>
+                <a:latin typeface="Cascadia Code" panose="020B0609020000020004" pitchFamily="49" charset="0"/>
+                <a:cs typeface="Cascadia Code" panose="020B0609020000020004" pitchFamily="49" charset="0"/>
               </a:rPr>
               <a:t>]; </a:t>
             </a:r>
@@ -10274,7 +10591,8 @@
                 <a:solidFill>
                   <a:srgbClr val="6A9955"/>
                 </a:solidFill>
-                <a:latin typeface="Menlo" panose="020B0609030804020204" pitchFamily="49" charset="0"/>
+                <a:latin typeface="Cascadia Code" panose="020B0609020000020004" pitchFamily="49" charset="0"/>
+                <a:cs typeface="Cascadia Code" panose="020B0609020000020004" pitchFamily="49" charset="0"/>
               </a:rPr>
               <a:t>//Third row, 4 elements</a:t>
             </a:r>
@@ -10282,7 +10600,8 @@
               <a:solidFill>
                 <a:srgbClr val="D4D4D4"/>
               </a:solidFill>
-              <a:latin typeface="Menlo" panose="020B0609030804020204" pitchFamily="49" charset="0"/>
+              <a:latin typeface="Cascadia Code" panose="020B0609020000020004" pitchFamily="49" charset="0"/>
+              <a:cs typeface="Cascadia Code" panose="020B0609020000020004" pitchFamily="49" charset="0"/>
             </a:endParaRPr>
           </a:p>
           <a:p>
@@ -10291,7 +10610,8 @@
                 <a:solidFill>
                   <a:srgbClr val="D4D4D4"/>
                 </a:solidFill>
-                <a:latin typeface="Menlo" panose="020B0609030804020204" pitchFamily="49" charset="0"/>
+                <a:latin typeface="Cascadia Code" panose="020B0609020000020004" pitchFamily="49" charset="0"/>
+                <a:cs typeface="Cascadia Code" panose="020B0609020000020004" pitchFamily="49" charset="0"/>
               </a:rPr>
             </a:br>
             <a:r>
@@ -10299,7 +10619,8 @@
                 <a:solidFill>
                   <a:srgbClr val="4EC9B0"/>
                 </a:solidFill>
-                <a:latin typeface="Menlo" panose="020B0609030804020204" pitchFamily="49" charset="0"/>
+                <a:latin typeface="Cascadia Code" panose="020B0609020000020004" pitchFamily="49" charset="0"/>
+                <a:cs typeface="Cascadia Code" panose="020B0609020000020004" pitchFamily="49" charset="0"/>
               </a:rPr>
               <a:t>int</a:t>
             </a:r>
@@ -10308,7 +10629,8 @@
                 <a:solidFill>
                   <a:srgbClr val="D4D4D4"/>
                 </a:solidFill>
-                <a:latin typeface="Menlo" panose="020B0609030804020204" pitchFamily="49" charset="0"/>
+                <a:latin typeface="Cascadia Code" panose="020B0609020000020004" pitchFamily="49" charset="0"/>
+                <a:cs typeface="Cascadia Code" panose="020B0609020000020004" pitchFamily="49" charset="0"/>
               </a:rPr>
               <a:t>[][] </a:t>
             </a:r>
@@ -10317,7 +10639,8 @@
                 <a:solidFill>
                   <a:srgbClr val="9CDCFE"/>
                 </a:solidFill>
-                <a:latin typeface="Menlo" panose="020B0609030804020204" pitchFamily="49" charset="0"/>
+                <a:latin typeface="Cascadia Code" panose="020B0609020000020004" pitchFamily="49" charset="0"/>
+                <a:cs typeface="Cascadia Code" panose="020B0609020000020004" pitchFamily="49" charset="0"/>
               </a:rPr>
               <a:t>c</a:t>
             </a:r>
@@ -10326,7 +10649,8 @@
                 <a:solidFill>
                   <a:srgbClr val="D4D4D4"/>
                 </a:solidFill>
-                <a:latin typeface="Menlo" panose="020B0609030804020204" pitchFamily="49" charset="0"/>
+                <a:latin typeface="Cascadia Code" panose="020B0609020000020004" pitchFamily="49" charset="0"/>
+                <a:cs typeface="Cascadia Code" panose="020B0609020000020004" pitchFamily="49" charset="0"/>
               </a:rPr>
               <a:t> = {{</a:t>
             </a:r>
@@ -10335,7 +10659,8 @@
                 <a:solidFill>
                   <a:srgbClr val="B5CEA8"/>
                 </a:solidFill>
-                <a:latin typeface="Menlo" panose="020B0609030804020204" pitchFamily="49" charset="0"/>
+                <a:latin typeface="Cascadia Code" panose="020B0609020000020004" pitchFamily="49" charset="0"/>
+                <a:cs typeface="Cascadia Code" panose="020B0609020000020004" pitchFamily="49" charset="0"/>
               </a:rPr>
               <a:t>0</a:t>
             </a:r>
@@ -10344,7 +10669,8 @@
                 <a:solidFill>
                   <a:srgbClr val="D4D4D4"/>
                 </a:solidFill>
-                <a:latin typeface="Menlo" panose="020B0609030804020204" pitchFamily="49" charset="0"/>
+                <a:latin typeface="Cascadia Code" panose="020B0609020000020004" pitchFamily="49" charset="0"/>
+                <a:cs typeface="Cascadia Code" panose="020B0609020000020004" pitchFamily="49" charset="0"/>
               </a:rPr>
               <a:t>,</a:t>
             </a:r>
@@ -10353,7 +10679,8 @@
                 <a:solidFill>
                   <a:srgbClr val="B5CEA8"/>
                 </a:solidFill>
-                <a:latin typeface="Menlo" panose="020B0609030804020204" pitchFamily="49" charset="0"/>
+                <a:latin typeface="Cascadia Code" panose="020B0609020000020004" pitchFamily="49" charset="0"/>
+                <a:cs typeface="Cascadia Code" panose="020B0609020000020004" pitchFamily="49" charset="0"/>
               </a:rPr>
               <a:t>0</a:t>
             </a:r>
@@ -10362,7 +10689,8 @@
                 <a:solidFill>
                   <a:srgbClr val="D4D4D4"/>
                 </a:solidFill>
-                <a:latin typeface="Menlo" panose="020B0609030804020204" pitchFamily="49" charset="0"/>
+                <a:latin typeface="Cascadia Code" panose="020B0609020000020004" pitchFamily="49" charset="0"/>
+                <a:cs typeface="Cascadia Code" panose="020B0609020000020004" pitchFamily="49" charset="0"/>
               </a:rPr>
               <a:t>,</a:t>
             </a:r>
@@ -10371,7 +10699,8 @@
                 <a:solidFill>
                   <a:srgbClr val="B5CEA8"/>
                 </a:solidFill>
-                <a:latin typeface="Menlo" panose="020B0609030804020204" pitchFamily="49" charset="0"/>
+                <a:latin typeface="Cascadia Code" panose="020B0609020000020004" pitchFamily="49" charset="0"/>
+                <a:cs typeface="Cascadia Code" panose="020B0609020000020004" pitchFamily="49" charset="0"/>
               </a:rPr>
               <a:t>0</a:t>
             </a:r>
@@ -10380,7 +10709,8 @@
                 <a:solidFill>
                   <a:srgbClr val="D4D4D4"/>
                 </a:solidFill>
-                <a:latin typeface="Menlo" panose="020B0609030804020204" pitchFamily="49" charset="0"/>
+                <a:latin typeface="Cascadia Code" panose="020B0609020000020004" pitchFamily="49" charset="0"/>
+                <a:cs typeface="Cascadia Code" panose="020B0609020000020004" pitchFamily="49" charset="0"/>
               </a:rPr>
               <a:t>,</a:t>
             </a:r>
@@ -10389,7 +10719,8 @@
                 <a:solidFill>
                   <a:srgbClr val="B5CEA8"/>
                 </a:solidFill>
-                <a:latin typeface="Menlo" panose="020B0609030804020204" pitchFamily="49" charset="0"/>
+                <a:latin typeface="Cascadia Code" panose="020B0609020000020004" pitchFamily="49" charset="0"/>
+                <a:cs typeface="Cascadia Code" panose="020B0609020000020004" pitchFamily="49" charset="0"/>
               </a:rPr>
               <a:t>0</a:t>
             </a:r>
@@ -10398,7 +10729,8 @@
                 <a:solidFill>
                   <a:srgbClr val="D4D4D4"/>
                 </a:solidFill>
-                <a:latin typeface="Menlo" panose="020B0609030804020204" pitchFamily="49" charset="0"/>
+                <a:latin typeface="Cascadia Code" panose="020B0609020000020004" pitchFamily="49" charset="0"/>
+                <a:cs typeface="Cascadia Code" panose="020B0609020000020004" pitchFamily="49" charset="0"/>
               </a:rPr>
               <a:t>,</a:t>
             </a:r>
@@ -10407,7 +10739,8 @@
                 <a:solidFill>
                   <a:srgbClr val="B5CEA8"/>
                 </a:solidFill>
-                <a:latin typeface="Menlo" panose="020B0609030804020204" pitchFamily="49" charset="0"/>
+                <a:latin typeface="Cascadia Code" panose="020B0609020000020004" pitchFamily="49" charset="0"/>
+                <a:cs typeface="Cascadia Code" panose="020B0609020000020004" pitchFamily="49" charset="0"/>
               </a:rPr>
               <a:t>0</a:t>
             </a:r>
@@ -10416,7 +10749,8 @@
                 <a:solidFill>
                   <a:srgbClr val="D4D4D4"/>
                 </a:solidFill>
-                <a:latin typeface="Menlo" panose="020B0609030804020204" pitchFamily="49" charset="0"/>
+                <a:latin typeface="Cascadia Code" panose="020B0609020000020004" pitchFamily="49" charset="0"/>
+                <a:cs typeface="Cascadia Code" panose="020B0609020000020004" pitchFamily="49" charset="0"/>
               </a:rPr>
               <a:t>}, 	    </a:t>
             </a:r>
@@ -10425,7 +10759,8 @@
                 <a:solidFill>
                   <a:srgbClr val="6A9955"/>
                 </a:solidFill>
-                <a:latin typeface="Menlo" panose="020B0609030804020204" pitchFamily="49" charset="0"/>
+                <a:latin typeface="Cascadia Code" panose="020B0609020000020004" pitchFamily="49" charset="0"/>
+                <a:cs typeface="Cascadia Code" panose="020B0609020000020004" pitchFamily="49" charset="0"/>
               </a:rPr>
               <a:t>//First row, 5 elements</a:t>
             </a:r>
@@ -10433,7 +10768,8 @@
               <a:solidFill>
                 <a:srgbClr val="D4D4D4"/>
               </a:solidFill>
-              <a:latin typeface="Menlo" panose="020B0609030804020204" pitchFamily="49" charset="0"/>
+              <a:latin typeface="Cascadia Code" panose="020B0609020000020004" pitchFamily="49" charset="0"/>
+              <a:cs typeface="Cascadia Code" panose="020B0609020000020004" pitchFamily="49" charset="0"/>
             </a:endParaRPr>
           </a:p>
           <a:p>
@@ -10442,7 +10778,8 @@
                 <a:solidFill>
                   <a:srgbClr val="D4D4D4"/>
                 </a:solidFill>
-                <a:latin typeface="Menlo" panose="020B0609030804020204" pitchFamily="49" charset="0"/>
+                <a:latin typeface="Cascadia Code" panose="020B0609020000020004" pitchFamily="49" charset="0"/>
+                <a:cs typeface="Cascadia Code" panose="020B0609020000020004" pitchFamily="49" charset="0"/>
               </a:rPr>
               <a:t>		{</a:t>
             </a:r>
@@ -10451,7 +10788,8 @@
                 <a:solidFill>
                   <a:srgbClr val="B5CEA8"/>
                 </a:solidFill>
-                <a:latin typeface="Menlo" panose="020B0609030804020204" pitchFamily="49" charset="0"/>
+                <a:latin typeface="Cascadia Code" panose="020B0609020000020004" pitchFamily="49" charset="0"/>
+                <a:cs typeface="Cascadia Code" panose="020B0609020000020004" pitchFamily="49" charset="0"/>
               </a:rPr>
               <a:t>0</a:t>
             </a:r>
@@ -10460,7 +10798,8 @@
                 <a:solidFill>
                   <a:srgbClr val="D4D4D4"/>
                 </a:solidFill>
-                <a:latin typeface="Menlo" panose="020B0609030804020204" pitchFamily="49" charset="0"/>
+                <a:latin typeface="Cascadia Code" panose="020B0609020000020004" pitchFamily="49" charset="0"/>
+                <a:cs typeface="Cascadia Code" panose="020B0609020000020004" pitchFamily="49" charset="0"/>
               </a:rPr>
               <a:t>,</a:t>
             </a:r>
@@ -10469,7 +10808,8 @@
                 <a:solidFill>
                   <a:srgbClr val="B5CEA8"/>
                 </a:solidFill>
-                <a:latin typeface="Menlo" panose="020B0609030804020204" pitchFamily="49" charset="0"/>
+                <a:latin typeface="Cascadia Code" panose="020B0609020000020004" pitchFamily="49" charset="0"/>
+                <a:cs typeface="Cascadia Code" panose="020B0609020000020004" pitchFamily="49" charset="0"/>
               </a:rPr>
               <a:t>0</a:t>
             </a:r>
@@ -10478,7 +10818,8 @@
                 <a:solidFill>
                   <a:srgbClr val="D4D4D4"/>
                 </a:solidFill>
-                <a:latin typeface="Menlo" panose="020B0609030804020204" pitchFamily="49" charset="0"/>
+                <a:latin typeface="Cascadia Code" panose="020B0609020000020004" pitchFamily="49" charset="0"/>
+                <a:cs typeface="Cascadia Code" panose="020B0609020000020004" pitchFamily="49" charset="0"/>
               </a:rPr>
               <a:t>,</a:t>
             </a:r>
@@ -10487,7 +10828,8 @@
                 <a:solidFill>
                   <a:srgbClr val="B5CEA8"/>
                 </a:solidFill>
-                <a:latin typeface="Menlo" panose="020B0609030804020204" pitchFamily="49" charset="0"/>
+                <a:latin typeface="Cascadia Code" panose="020B0609020000020004" pitchFamily="49" charset="0"/>
+                <a:cs typeface="Cascadia Code" panose="020B0609020000020004" pitchFamily="49" charset="0"/>
               </a:rPr>
               <a:t>0</a:t>
             </a:r>
@@ -10496,7 +10838,8 @@
                 <a:solidFill>
                   <a:srgbClr val="D4D4D4"/>
                 </a:solidFill>
-                <a:latin typeface="Menlo" panose="020B0609030804020204" pitchFamily="49" charset="0"/>
+                <a:latin typeface="Cascadia Code" panose="020B0609020000020004" pitchFamily="49" charset="0"/>
+                <a:cs typeface="Cascadia Code" panose="020B0609020000020004" pitchFamily="49" charset="0"/>
               </a:rPr>
               <a:t>,</a:t>
             </a:r>
@@ -10505,7 +10848,8 @@
                 <a:solidFill>
                   <a:srgbClr val="B5CEA8"/>
                 </a:solidFill>
-                <a:latin typeface="Menlo" panose="020B0609030804020204" pitchFamily="49" charset="0"/>
+                <a:latin typeface="Cascadia Code" panose="020B0609020000020004" pitchFamily="49" charset="0"/>
+                <a:cs typeface="Cascadia Code" panose="020B0609020000020004" pitchFamily="49" charset="0"/>
               </a:rPr>
               <a:t>0</a:t>
             </a:r>
@@ -10514,7 +10858,8 @@
                 <a:solidFill>
                   <a:srgbClr val="D4D4D4"/>
                 </a:solidFill>
-                <a:latin typeface="Menlo" panose="020B0609030804020204" pitchFamily="49" charset="0"/>
+                <a:latin typeface="Cascadia Code" panose="020B0609020000020004" pitchFamily="49" charset="0"/>
+                <a:cs typeface="Cascadia Code" panose="020B0609020000020004" pitchFamily="49" charset="0"/>
               </a:rPr>
               <a:t>,</a:t>
             </a:r>
@@ -10523,7 +10868,8 @@
                 <a:solidFill>
                   <a:srgbClr val="B5CEA8"/>
                 </a:solidFill>
-                <a:latin typeface="Menlo" panose="020B0609030804020204" pitchFamily="49" charset="0"/>
+                <a:latin typeface="Cascadia Code" panose="020B0609020000020004" pitchFamily="49" charset="0"/>
+                <a:cs typeface="Cascadia Code" panose="020B0609020000020004" pitchFamily="49" charset="0"/>
               </a:rPr>
               <a:t>0</a:t>
             </a:r>
@@ -10532,7 +10878,8 @@
                 <a:solidFill>
                   <a:srgbClr val="D4D4D4"/>
                 </a:solidFill>
-                <a:latin typeface="Menlo" panose="020B0609030804020204" pitchFamily="49" charset="0"/>
+                <a:latin typeface="Cascadia Code" panose="020B0609020000020004" pitchFamily="49" charset="0"/>
+                <a:cs typeface="Cascadia Code" panose="020B0609020000020004" pitchFamily="49" charset="0"/>
               </a:rPr>
               <a:t>,</a:t>
             </a:r>
@@ -10541,7 +10888,8 @@
                 <a:solidFill>
                   <a:srgbClr val="B5CEA8"/>
                 </a:solidFill>
-                <a:latin typeface="Menlo" panose="020B0609030804020204" pitchFamily="49" charset="0"/>
+                <a:latin typeface="Cascadia Code" panose="020B0609020000020004" pitchFamily="49" charset="0"/>
+                <a:cs typeface="Cascadia Code" panose="020B0609020000020004" pitchFamily="49" charset="0"/>
               </a:rPr>
               <a:t>0</a:t>
             </a:r>
@@ -10550,7 +10898,8 @@
                 <a:solidFill>
                   <a:srgbClr val="D4D4D4"/>
                 </a:solidFill>
-                <a:latin typeface="Menlo" panose="020B0609030804020204" pitchFamily="49" charset="0"/>
+                <a:latin typeface="Cascadia Code" panose="020B0609020000020004" pitchFamily="49" charset="0"/>
+                <a:cs typeface="Cascadia Code" panose="020B0609020000020004" pitchFamily="49" charset="0"/>
               </a:rPr>
               <a:t>,</a:t>
             </a:r>
@@ -10559,7 +10908,8 @@
                 <a:solidFill>
                   <a:srgbClr val="B5CEA8"/>
                 </a:solidFill>
-                <a:latin typeface="Menlo" panose="020B0609030804020204" pitchFamily="49" charset="0"/>
+                <a:latin typeface="Cascadia Code" panose="020B0609020000020004" pitchFamily="49" charset="0"/>
+                <a:cs typeface="Cascadia Code" panose="020B0609020000020004" pitchFamily="49" charset="0"/>
               </a:rPr>
               <a:t>0</a:t>
             </a:r>
@@ -10568,7 +10918,8 @@
                 <a:solidFill>
                   <a:srgbClr val="D4D4D4"/>
                 </a:solidFill>
-                <a:latin typeface="Menlo" panose="020B0609030804020204" pitchFamily="49" charset="0"/>
+                <a:latin typeface="Cascadia Code" panose="020B0609020000020004" pitchFamily="49" charset="0"/>
+                <a:cs typeface="Cascadia Code" panose="020B0609020000020004" pitchFamily="49" charset="0"/>
               </a:rPr>
               <a:t>}, </a:t>
             </a:r>
@@ -10577,7 +10928,8 @@
                 <a:solidFill>
                   <a:srgbClr val="6A9955"/>
                 </a:solidFill>
-                <a:latin typeface="Menlo" panose="020B0609030804020204" pitchFamily="49" charset="0"/>
+                <a:latin typeface="Cascadia Code" panose="020B0609020000020004" pitchFamily="49" charset="0"/>
+                <a:cs typeface="Cascadia Code" panose="020B0609020000020004" pitchFamily="49" charset="0"/>
               </a:rPr>
               <a:t>//Second row, 7 elements</a:t>
             </a:r>
@@ -10585,7 +10937,8 @@
               <a:solidFill>
                 <a:srgbClr val="D4D4D4"/>
               </a:solidFill>
-              <a:latin typeface="Menlo" panose="020B0609030804020204" pitchFamily="49" charset="0"/>
+              <a:latin typeface="Cascadia Code" panose="020B0609020000020004" pitchFamily="49" charset="0"/>
+              <a:cs typeface="Cascadia Code" panose="020B0609020000020004" pitchFamily="49" charset="0"/>
             </a:endParaRPr>
           </a:p>
           <a:p>
@@ -10594,7 +10947,8 @@
                 <a:solidFill>
                   <a:srgbClr val="D4D4D4"/>
                 </a:solidFill>
-                <a:latin typeface="Menlo" panose="020B0609030804020204" pitchFamily="49" charset="0"/>
+                <a:latin typeface="Cascadia Code" panose="020B0609020000020004" pitchFamily="49" charset="0"/>
+                <a:cs typeface="Cascadia Code" panose="020B0609020000020004" pitchFamily="49" charset="0"/>
               </a:rPr>
               <a:t>		{</a:t>
             </a:r>
@@ -10603,7 +10957,8 @@
                 <a:solidFill>
                   <a:srgbClr val="B5CEA8"/>
                 </a:solidFill>
-                <a:latin typeface="Menlo" panose="020B0609030804020204" pitchFamily="49" charset="0"/>
+                <a:latin typeface="Cascadia Code" panose="020B0609020000020004" pitchFamily="49" charset="0"/>
+                <a:cs typeface="Cascadia Code" panose="020B0609020000020004" pitchFamily="49" charset="0"/>
               </a:rPr>
               <a:t>0</a:t>
             </a:r>
@@ -10612,7 +10967,8 @@
                 <a:solidFill>
                   <a:srgbClr val="D4D4D4"/>
                 </a:solidFill>
-                <a:latin typeface="Menlo" panose="020B0609030804020204" pitchFamily="49" charset="0"/>
+                <a:latin typeface="Cascadia Code" panose="020B0609020000020004" pitchFamily="49" charset="0"/>
+                <a:cs typeface="Cascadia Code" panose="020B0609020000020004" pitchFamily="49" charset="0"/>
               </a:rPr>
               <a:t>,</a:t>
             </a:r>
@@ -10621,7 +10977,8 @@
                 <a:solidFill>
                   <a:srgbClr val="B5CEA8"/>
                 </a:solidFill>
-                <a:latin typeface="Menlo" panose="020B0609030804020204" pitchFamily="49" charset="0"/>
+                <a:latin typeface="Cascadia Code" panose="020B0609020000020004" pitchFamily="49" charset="0"/>
+                <a:cs typeface="Cascadia Code" panose="020B0609020000020004" pitchFamily="49" charset="0"/>
               </a:rPr>
               <a:t>0</a:t>
             </a:r>
@@ -10630,7 +10987,8 @@
                 <a:solidFill>
                   <a:srgbClr val="D4D4D4"/>
                 </a:solidFill>
-                <a:latin typeface="Menlo" panose="020B0609030804020204" pitchFamily="49" charset="0"/>
+                <a:latin typeface="Cascadia Code" panose="020B0609020000020004" pitchFamily="49" charset="0"/>
+                <a:cs typeface="Cascadia Code" panose="020B0609020000020004" pitchFamily="49" charset="0"/>
               </a:rPr>
               <a:t>,</a:t>
             </a:r>
@@ -10639,7 +10997,8 @@
                 <a:solidFill>
                   <a:srgbClr val="B5CEA8"/>
                 </a:solidFill>
-                <a:latin typeface="Menlo" panose="020B0609030804020204" pitchFamily="49" charset="0"/>
+                <a:latin typeface="Cascadia Code" panose="020B0609020000020004" pitchFamily="49" charset="0"/>
+                <a:cs typeface="Cascadia Code" panose="020B0609020000020004" pitchFamily="49" charset="0"/>
               </a:rPr>
               <a:t>0</a:t>
             </a:r>
@@ -10648,7 +11007,8 @@
                 <a:solidFill>
                   <a:srgbClr val="D4D4D4"/>
                 </a:solidFill>
-                <a:latin typeface="Menlo" panose="020B0609030804020204" pitchFamily="49" charset="0"/>
+                <a:latin typeface="Cascadia Code" panose="020B0609020000020004" pitchFamily="49" charset="0"/>
+                <a:cs typeface="Cascadia Code" panose="020B0609020000020004" pitchFamily="49" charset="0"/>
               </a:rPr>
               <a:t>,</a:t>
             </a:r>
@@ -10657,7 +11017,8 @@
                 <a:solidFill>
                   <a:srgbClr val="B5CEA8"/>
                 </a:solidFill>
-                <a:latin typeface="Menlo" panose="020B0609030804020204" pitchFamily="49" charset="0"/>
+                <a:latin typeface="Cascadia Code" panose="020B0609020000020004" pitchFamily="49" charset="0"/>
+                <a:cs typeface="Cascadia Code" panose="020B0609020000020004" pitchFamily="49" charset="0"/>
               </a:rPr>
               <a:t>0</a:t>
             </a:r>
@@ -10666,7 +11027,8 @@
                 <a:solidFill>
                   <a:srgbClr val="D4D4D4"/>
                 </a:solidFill>
-                <a:latin typeface="Menlo" panose="020B0609030804020204" pitchFamily="49" charset="0"/>
+                <a:latin typeface="Cascadia Code" panose="020B0609020000020004" pitchFamily="49" charset="0"/>
+                <a:cs typeface="Cascadia Code" panose="020B0609020000020004" pitchFamily="49" charset="0"/>
               </a:rPr>
               <a:t>}}; 	    </a:t>
             </a:r>
@@ -10675,7 +11037,8 @@
                 <a:solidFill>
                   <a:srgbClr val="6A9955"/>
                 </a:solidFill>
-                <a:latin typeface="Menlo" panose="020B0609030804020204" pitchFamily="49" charset="0"/>
+                <a:latin typeface="Cascadia Code" panose="020B0609020000020004" pitchFamily="49" charset="0"/>
+                <a:cs typeface="Cascadia Code" panose="020B0609020000020004" pitchFamily="49" charset="0"/>
               </a:rPr>
               <a:t>//Third row, 4 elements</a:t>
             </a:r>
@@ -10683,7 +11046,8 @@
               <a:solidFill>
                 <a:srgbClr val="D4D4D4"/>
               </a:solidFill>
-              <a:latin typeface="Menlo" panose="020B0609030804020204" pitchFamily="49" charset="0"/>
+              <a:latin typeface="Cascadia Code" panose="020B0609020000020004" pitchFamily="49" charset="0"/>
+              <a:cs typeface="Cascadia Code" panose="020B0609020000020004" pitchFamily="49" charset="0"/>
             </a:endParaRPr>
           </a:p>
           <a:p>
@@ -10692,7 +11056,8 @@
                 <a:solidFill>
                   <a:srgbClr val="D4D4D4"/>
                 </a:solidFill>
-                <a:latin typeface="Menlo" panose="020B0609030804020204" pitchFamily="49" charset="0"/>
+                <a:latin typeface="Cascadia Code" panose="020B0609020000020004" pitchFamily="49" charset="0"/>
+                <a:cs typeface="Cascadia Code" panose="020B0609020000020004" pitchFamily="49" charset="0"/>
               </a:rPr>
             </a:br>
             <a:endParaRPr lang="en-US" b="0" dirty="0">
@@ -10700,7 +11065,8 @@
                 <a:srgbClr val="D4D4D4"/>
               </a:solidFill>
               <a:effectLst/>
-              <a:latin typeface="Menlo" panose="020B0609030804020204" pitchFamily="49" charset="0"/>
+              <a:latin typeface="Cascadia Code" panose="020B0609020000020004" pitchFamily="49" charset="0"/>
+              <a:cs typeface="Cascadia Code" panose="020B0609020000020004" pitchFamily="49" charset="0"/>
             </a:endParaRPr>
           </a:p>
         </p:txBody>
